--- a/ppt 16-9/1341.渴慕居主殿宇.pptx
+++ b/ppt 16-9/1341.渴慕居主殿宇.pptx
@@ -129,7 +129,7 @@
           <p:cNvPr id="2" name="标题 1">
             <a:extLst>
               <a:ext uri="{FF2B5EF4-FFF2-40B4-BE49-F238E27FC236}">
-                <a16:creationId xmlns:a16="http://schemas.microsoft.com/office/drawing/2014/main" id="{2B88B649-D036-88F1-C6FC-B7338CC6C04A}"/>
+                <a16:creationId xmlns:a16="http://schemas.microsoft.com/office/drawing/2014/main" id="{1D1AACE3-9D7F-0E9C-D918-280EEB45F85E}"/>
               </a:ext>
             </a:extLst>
           </p:cNvPr>
@@ -166,7 +166,7 @@
           <p:cNvPr id="3" name="副标题 2">
             <a:extLst>
               <a:ext uri="{FF2B5EF4-FFF2-40B4-BE49-F238E27FC236}">
-                <a16:creationId xmlns:a16="http://schemas.microsoft.com/office/drawing/2014/main" id="{D11EB58B-E573-A7B0-978A-1BF5719D1BEE}"/>
+                <a16:creationId xmlns:a16="http://schemas.microsoft.com/office/drawing/2014/main" id="{42B15C8F-4E5F-ECF6-7EEA-5E0F034B01ED}"/>
               </a:ext>
             </a:extLst>
           </p:cNvPr>
@@ -236,7 +236,7 @@
           <p:cNvPr id="4" name="日期占位符 3">
             <a:extLst>
               <a:ext uri="{FF2B5EF4-FFF2-40B4-BE49-F238E27FC236}">
-                <a16:creationId xmlns:a16="http://schemas.microsoft.com/office/drawing/2014/main" id="{A78E9181-890E-8844-DE77-B9740EB49027}"/>
+                <a16:creationId xmlns:a16="http://schemas.microsoft.com/office/drawing/2014/main" id="{DE99B9AF-80B3-07B3-C6DD-AAF5A3EBF2F0}"/>
               </a:ext>
             </a:extLst>
           </p:cNvPr>
@@ -252,7 +252,7 @@
           <a:bodyPr/>
           <a:lstStyle/>
           <a:p>
-            <a:fld id="{819B5AF2-DBCB-4930-9C0C-A191F1F08F3E}" type="datetimeFigureOut">
+            <a:fld id="{9437A7D8-92C4-4A0F-9FCA-6F9A7E71CA8A}" type="datetimeFigureOut">
               <a:rPr lang="zh-CN" altLang="en-US" smtClean="0"/>
               <a:t>2024/3/10</a:t>
             </a:fld>
@@ -265,7 +265,7 @@
           <p:cNvPr id="5" name="页脚占位符 4">
             <a:extLst>
               <a:ext uri="{FF2B5EF4-FFF2-40B4-BE49-F238E27FC236}">
-                <a16:creationId xmlns:a16="http://schemas.microsoft.com/office/drawing/2014/main" id="{C2652CBB-9D16-C61F-285F-EF713D721246}"/>
+                <a16:creationId xmlns:a16="http://schemas.microsoft.com/office/drawing/2014/main" id="{76BE629F-A760-015A-42AA-14C028F695CB}"/>
               </a:ext>
             </a:extLst>
           </p:cNvPr>
@@ -290,7 +290,7 @@
           <p:cNvPr id="6" name="灯片编号占位符 5">
             <a:extLst>
               <a:ext uri="{FF2B5EF4-FFF2-40B4-BE49-F238E27FC236}">
-                <a16:creationId xmlns:a16="http://schemas.microsoft.com/office/drawing/2014/main" id="{5048E1E8-7479-875D-81B3-BCBB84AC0EB4}"/>
+                <a16:creationId xmlns:a16="http://schemas.microsoft.com/office/drawing/2014/main" id="{AF060F1C-E4A1-BEDA-19A0-9EF7C0E4C291}"/>
               </a:ext>
             </a:extLst>
           </p:cNvPr>
@@ -306,7 +306,7 @@
           <a:bodyPr/>
           <a:lstStyle/>
           <a:p>
-            <a:fld id="{3DFE37B8-7CCA-451A-A897-5CCE05D89919}" type="slidenum">
+            <a:fld id="{9BD0F070-BBAC-4845-A6A4-272477C6D085}" type="slidenum">
               <a:rPr lang="zh-CN" altLang="en-US" smtClean="0"/>
               <a:t>‹#›</a:t>
             </a:fld>
@@ -317,7 +317,7 @@
     </p:spTree>
     <p:extLst>
       <p:ext uri="{BB962C8B-B14F-4D97-AF65-F5344CB8AC3E}">
-        <p14:creationId xmlns:p14="http://schemas.microsoft.com/office/powerpoint/2010/main" val="2971732348"/>
+        <p14:creationId xmlns:p14="http://schemas.microsoft.com/office/powerpoint/2010/main" val="2466434004"/>
       </p:ext>
     </p:extLst>
   </p:cSld>
@@ -349,7 +349,7 @@
           <p:cNvPr id="2" name="标题 1">
             <a:extLst>
               <a:ext uri="{FF2B5EF4-FFF2-40B4-BE49-F238E27FC236}">
-                <a16:creationId xmlns:a16="http://schemas.microsoft.com/office/drawing/2014/main" id="{A73CE403-04B4-04A4-38FE-4DDBC292CF00}"/>
+                <a16:creationId xmlns:a16="http://schemas.microsoft.com/office/drawing/2014/main" id="{0BED2B8D-FECB-52DE-68D2-036510352014}"/>
               </a:ext>
             </a:extLst>
           </p:cNvPr>
@@ -377,7 +377,7 @@
           <p:cNvPr id="3" name="竖排文字占位符 2">
             <a:extLst>
               <a:ext uri="{FF2B5EF4-FFF2-40B4-BE49-F238E27FC236}">
-                <a16:creationId xmlns:a16="http://schemas.microsoft.com/office/drawing/2014/main" id="{6E56142D-5D9E-38A6-336F-29D8B4D8B3B6}"/>
+                <a16:creationId xmlns:a16="http://schemas.microsoft.com/office/drawing/2014/main" id="{B81D8ECF-9600-7541-934D-272ACE12EF2F}"/>
               </a:ext>
             </a:extLst>
           </p:cNvPr>
@@ -434,7 +434,7 @@
           <p:cNvPr id="4" name="日期占位符 3">
             <a:extLst>
               <a:ext uri="{FF2B5EF4-FFF2-40B4-BE49-F238E27FC236}">
-                <a16:creationId xmlns:a16="http://schemas.microsoft.com/office/drawing/2014/main" id="{C1115985-1859-5994-F3D9-B97CD1EEA204}"/>
+                <a16:creationId xmlns:a16="http://schemas.microsoft.com/office/drawing/2014/main" id="{0D94B96B-221C-6FAC-FF8B-F2BAEE7DE924}"/>
               </a:ext>
             </a:extLst>
           </p:cNvPr>
@@ -450,7 +450,7 @@
           <a:bodyPr/>
           <a:lstStyle/>
           <a:p>
-            <a:fld id="{819B5AF2-DBCB-4930-9C0C-A191F1F08F3E}" type="datetimeFigureOut">
+            <a:fld id="{9437A7D8-92C4-4A0F-9FCA-6F9A7E71CA8A}" type="datetimeFigureOut">
               <a:rPr lang="zh-CN" altLang="en-US" smtClean="0"/>
               <a:t>2024/3/10</a:t>
             </a:fld>
@@ -463,7 +463,7 @@
           <p:cNvPr id="5" name="页脚占位符 4">
             <a:extLst>
               <a:ext uri="{FF2B5EF4-FFF2-40B4-BE49-F238E27FC236}">
-                <a16:creationId xmlns:a16="http://schemas.microsoft.com/office/drawing/2014/main" id="{67195D7F-E870-33A2-C600-4E98F53986EC}"/>
+                <a16:creationId xmlns:a16="http://schemas.microsoft.com/office/drawing/2014/main" id="{FE33526D-0A1C-2C19-B641-B50C2A46FEF1}"/>
               </a:ext>
             </a:extLst>
           </p:cNvPr>
@@ -488,7 +488,7 @@
           <p:cNvPr id="6" name="灯片编号占位符 5">
             <a:extLst>
               <a:ext uri="{FF2B5EF4-FFF2-40B4-BE49-F238E27FC236}">
-                <a16:creationId xmlns:a16="http://schemas.microsoft.com/office/drawing/2014/main" id="{A735D6BA-6952-0682-2751-F622A62F386A}"/>
+                <a16:creationId xmlns:a16="http://schemas.microsoft.com/office/drawing/2014/main" id="{D7CE7A98-15B4-84E3-2433-5AAD5698DB89}"/>
               </a:ext>
             </a:extLst>
           </p:cNvPr>
@@ -504,7 +504,7 @@
           <a:bodyPr/>
           <a:lstStyle/>
           <a:p>
-            <a:fld id="{3DFE37B8-7CCA-451A-A897-5CCE05D89919}" type="slidenum">
+            <a:fld id="{9BD0F070-BBAC-4845-A6A4-272477C6D085}" type="slidenum">
               <a:rPr lang="zh-CN" altLang="en-US" smtClean="0"/>
               <a:t>‹#›</a:t>
             </a:fld>
@@ -515,7 +515,7 @@
     </p:spTree>
     <p:extLst>
       <p:ext uri="{BB962C8B-B14F-4D97-AF65-F5344CB8AC3E}">
-        <p14:creationId xmlns:p14="http://schemas.microsoft.com/office/powerpoint/2010/main" val="2991379114"/>
+        <p14:creationId xmlns:p14="http://schemas.microsoft.com/office/powerpoint/2010/main" val="2216748701"/>
       </p:ext>
     </p:extLst>
   </p:cSld>
@@ -547,7 +547,7 @@
           <p:cNvPr id="2" name="竖排标题 1">
             <a:extLst>
               <a:ext uri="{FF2B5EF4-FFF2-40B4-BE49-F238E27FC236}">
-                <a16:creationId xmlns:a16="http://schemas.microsoft.com/office/drawing/2014/main" id="{C5E2F0C3-7A98-1E81-4D53-87122576A334}"/>
+                <a16:creationId xmlns:a16="http://schemas.microsoft.com/office/drawing/2014/main" id="{6ED9C917-87B5-967D-7623-1BDCA04DF34F}"/>
               </a:ext>
             </a:extLst>
           </p:cNvPr>
@@ -580,7 +580,7 @@
           <p:cNvPr id="3" name="竖排文字占位符 2">
             <a:extLst>
               <a:ext uri="{FF2B5EF4-FFF2-40B4-BE49-F238E27FC236}">
-                <a16:creationId xmlns:a16="http://schemas.microsoft.com/office/drawing/2014/main" id="{CE82291C-B8BA-B859-D257-0F941C970E5A}"/>
+                <a16:creationId xmlns:a16="http://schemas.microsoft.com/office/drawing/2014/main" id="{A2DAB145-3D14-45ED-6532-9429F17C9011}"/>
               </a:ext>
             </a:extLst>
           </p:cNvPr>
@@ -642,7 +642,7 @@
           <p:cNvPr id="4" name="日期占位符 3">
             <a:extLst>
               <a:ext uri="{FF2B5EF4-FFF2-40B4-BE49-F238E27FC236}">
-                <a16:creationId xmlns:a16="http://schemas.microsoft.com/office/drawing/2014/main" id="{A164097F-7CF8-A42E-A229-1E13ABAC8FB4}"/>
+                <a16:creationId xmlns:a16="http://schemas.microsoft.com/office/drawing/2014/main" id="{7A6C787D-0405-2CC8-9A9B-50BF43878CAF}"/>
               </a:ext>
             </a:extLst>
           </p:cNvPr>
@@ -658,7 +658,7 @@
           <a:bodyPr/>
           <a:lstStyle/>
           <a:p>
-            <a:fld id="{819B5AF2-DBCB-4930-9C0C-A191F1F08F3E}" type="datetimeFigureOut">
+            <a:fld id="{9437A7D8-92C4-4A0F-9FCA-6F9A7E71CA8A}" type="datetimeFigureOut">
               <a:rPr lang="zh-CN" altLang="en-US" smtClean="0"/>
               <a:t>2024/3/10</a:t>
             </a:fld>
@@ -671,7 +671,7 @@
           <p:cNvPr id="5" name="页脚占位符 4">
             <a:extLst>
               <a:ext uri="{FF2B5EF4-FFF2-40B4-BE49-F238E27FC236}">
-                <a16:creationId xmlns:a16="http://schemas.microsoft.com/office/drawing/2014/main" id="{8FED6786-3B6D-AE40-C33F-6733C735F6D9}"/>
+                <a16:creationId xmlns:a16="http://schemas.microsoft.com/office/drawing/2014/main" id="{0FD29130-5FEB-F99A-89BB-F8673125D5F0}"/>
               </a:ext>
             </a:extLst>
           </p:cNvPr>
@@ -696,7 +696,7 @@
           <p:cNvPr id="6" name="灯片编号占位符 5">
             <a:extLst>
               <a:ext uri="{FF2B5EF4-FFF2-40B4-BE49-F238E27FC236}">
-                <a16:creationId xmlns:a16="http://schemas.microsoft.com/office/drawing/2014/main" id="{D61D07A4-8A35-E4C8-4C9C-52AAE43B6BD0}"/>
+                <a16:creationId xmlns:a16="http://schemas.microsoft.com/office/drawing/2014/main" id="{E1394C06-81ED-B468-3773-9C49FE43B2E0}"/>
               </a:ext>
             </a:extLst>
           </p:cNvPr>
@@ -712,7 +712,7 @@
           <a:bodyPr/>
           <a:lstStyle/>
           <a:p>
-            <a:fld id="{3DFE37B8-7CCA-451A-A897-5CCE05D89919}" type="slidenum">
+            <a:fld id="{9BD0F070-BBAC-4845-A6A4-272477C6D085}" type="slidenum">
               <a:rPr lang="zh-CN" altLang="en-US" smtClean="0"/>
               <a:t>‹#›</a:t>
             </a:fld>
@@ -723,7 +723,7 @@
     </p:spTree>
     <p:extLst>
       <p:ext uri="{BB962C8B-B14F-4D97-AF65-F5344CB8AC3E}">
-        <p14:creationId xmlns:p14="http://schemas.microsoft.com/office/powerpoint/2010/main" val="942260632"/>
+        <p14:creationId xmlns:p14="http://schemas.microsoft.com/office/powerpoint/2010/main" val="328797031"/>
       </p:ext>
     </p:extLst>
   </p:cSld>
@@ -755,7 +755,7 @@
           <p:cNvPr id="2" name="标题 1">
             <a:extLst>
               <a:ext uri="{FF2B5EF4-FFF2-40B4-BE49-F238E27FC236}">
-                <a16:creationId xmlns:a16="http://schemas.microsoft.com/office/drawing/2014/main" id="{0F5B6EE7-DC0D-5542-CA91-115681E38B47}"/>
+                <a16:creationId xmlns:a16="http://schemas.microsoft.com/office/drawing/2014/main" id="{50B191CB-9342-E9D4-E63E-5A1C62D02106}"/>
               </a:ext>
             </a:extLst>
           </p:cNvPr>
@@ -783,7 +783,7 @@
           <p:cNvPr id="3" name="内容占位符 2">
             <a:extLst>
               <a:ext uri="{FF2B5EF4-FFF2-40B4-BE49-F238E27FC236}">
-                <a16:creationId xmlns:a16="http://schemas.microsoft.com/office/drawing/2014/main" id="{9E1E052F-2033-821C-6699-B661FB827032}"/>
+                <a16:creationId xmlns:a16="http://schemas.microsoft.com/office/drawing/2014/main" id="{390F0806-5BFC-2C2B-A00C-282242FFDF5E}"/>
               </a:ext>
             </a:extLst>
           </p:cNvPr>
@@ -840,7 +840,7 @@
           <p:cNvPr id="4" name="日期占位符 3">
             <a:extLst>
               <a:ext uri="{FF2B5EF4-FFF2-40B4-BE49-F238E27FC236}">
-                <a16:creationId xmlns:a16="http://schemas.microsoft.com/office/drawing/2014/main" id="{3EE515E1-22F7-42D9-4C1A-DA01B3E9D795}"/>
+                <a16:creationId xmlns:a16="http://schemas.microsoft.com/office/drawing/2014/main" id="{DE6F438D-5090-CAAA-4481-D9FF4198166D}"/>
               </a:ext>
             </a:extLst>
           </p:cNvPr>
@@ -856,7 +856,7 @@
           <a:bodyPr/>
           <a:lstStyle/>
           <a:p>
-            <a:fld id="{819B5AF2-DBCB-4930-9C0C-A191F1F08F3E}" type="datetimeFigureOut">
+            <a:fld id="{9437A7D8-92C4-4A0F-9FCA-6F9A7E71CA8A}" type="datetimeFigureOut">
               <a:rPr lang="zh-CN" altLang="en-US" smtClean="0"/>
               <a:t>2024/3/10</a:t>
             </a:fld>
@@ -869,7 +869,7 @@
           <p:cNvPr id="5" name="页脚占位符 4">
             <a:extLst>
               <a:ext uri="{FF2B5EF4-FFF2-40B4-BE49-F238E27FC236}">
-                <a16:creationId xmlns:a16="http://schemas.microsoft.com/office/drawing/2014/main" id="{A3BD2217-21B9-ABFB-6523-132B689CF45D}"/>
+                <a16:creationId xmlns:a16="http://schemas.microsoft.com/office/drawing/2014/main" id="{B47AC6FF-3C64-F37C-88FD-45D95197D7B8}"/>
               </a:ext>
             </a:extLst>
           </p:cNvPr>
@@ -894,7 +894,7 @@
           <p:cNvPr id="6" name="灯片编号占位符 5">
             <a:extLst>
               <a:ext uri="{FF2B5EF4-FFF2-40B4-BE49-F238E27FC236}">
-                <a16:creationId xmlns:a16="http://schemas.microsoft.com/office/drawing/2014/main" id="{9F883B7E-94E1-9ECD-4569-C730DE64F4BA}"/>
+                <a16:creationId xmlns:a16="http://schemas.microsoft.com/office/drawing/2014/main" id="{8F56B0A7-8F72-7AE1-4A22-0B07BA98D996}"/>
               </a:ext>
             </a:extLst>
           </p:cNvPr>
@@ -910,7 +910,7 @@
           <a:bodyPr/>
           <a:lstStyle/>
           <a:p>
-            <a:fld id="{3DFE37B8-7CCA-451A-A897-5CCE05D89919}" type="slidenum">
+            <a:fld id="{9BD0F070-BBAC-4845-A6A4-272477C6D085}" type="slidenum">
               <a:rPr lang="zh-CN" altLang="en-US" smtClean="0"/>
               <a:t>‹#›</a:t>
             </a:fld>
@@ -921,7 +921,7 @@
     </p:spTree>
     <p:extLst>
       <p:ext uri="{BB962C8B-B14F-4D97-AF65-F5344CB8AC3E}">
-        <p14:creationId xmlns:p14="http://schemas.microsoft.com/office/powerpoint/2010/main" val="349117129"/>
+        <p14:creationId xmlns:p14="http://schemas.microsoft.com/office/powerpoint/2010/main" val="1908913563"/>
       </p:ext>
     </p:extLst>
   </p:cSld>
@@ -953,7 +953,7 @@
           <p:cNvPr id="2" name="标题 1">
             <a:extLst>
               <a:ext uri="{FF2B5EF4-FFF2-40B4-BE49-F238E27FC236}">
-                <a16:creationId xmlns:a16="http://schemas.microsoft.com/office/drawing/2014/main" id="{FE58B334-DF7C-8704-42DE-551AB1E2E0E3}"/>
+                <a16:creationId xmlns:a16="http://schemas.microsoft.com/office/drawing/2014/main" id="{86D958CB-E0E8-E382-88B3-197D11449353}"/>
               </a:ext>
             </a:extLst>
           </p:cNvPr>
@@ -990,7 +990,7 @@
           <p:cNvPr id="3" name="文本占位符 2">
             <a:extLst>
               <a:ext uri="{FF2B5EF4-FFF2-40B4-BE49-F238E27FC236}">
-                <a16:creationId xmlns:a16="http://schemas.microsoft.com/office/drawing/2014/main" id="{60218292-A252-B518-8EDD-885CBD744CF8}"/>
+                <a16:creationId xmlns:a16="http://schemas.microsoft.com/office/drawing/2014/main" id="{41159BD6-472C-2712-CCC7-166ACB956227}"/>
               </a:ext>
             </a:extLst>
           </p:cNvPr>
@@ -1115,7 +1115,7 @@
           <p:cNvPr id="4" name="日期占位符 3">
             <a:extLst>
               <a:ext uri="{FF2B5EF4-FFF2-40B4-BE49-F238E27FC236}">
-                <a16:creationId xmlns:a16="http://schemas.microsoft.com/office/drawing/2014/main" id="{01CBF5F3-E0FE-EF4C-0E77-2E3335D39A61}"/>
+                <a16:creationId xmlns:a16="http://schemas.microsoft.com/office/drawing/2014/main" id="{0F65CD0B-500F-C801-BBD9-2C7B796A49B9}"/>
               </a:ext>
             </a:extLst>
           </p:cNvPr>
@@ -1131,7 +1131,7 @@
           <a:bodyPr/>
           <a:lstStyle/>
           <a:p>
-            <a:fld id="{819B5AF2-DBCB-4930-9C0C-A191F1F08F3E}" type="datetimeFigureOut">
+            <a:fld id="{9437A7D8-92C4-4A0F-9FCA-6F9A7E71CA8A}" type="datetimeFigureOut">
               <a:rPr lang="zh-CN" altLang="en-US" smtClean="0"/>
               <a:t>2024/3/10</a:t>
             </a:fld>
@@ -1144,7 +1144,7 @@
           <p:cNvPr id="5" name="页脚占位符 4">
             <a:extLst>
               <a:ext uri="{FF2B5EF4-FFF2-40B4-BE49-F238E27FC236}">
-                <a16:creationId xmlns:a16="http://schemas.microsoft.com/office/drawing/2014/main" id="{3A6C7A70-481C-CF02-6884-8FD3E7F5D5C6}"/>
+                <a16:creationId xmlns:a16="http://schemas.microsoft.com/office/drawing/2014/main" id="{BEFEAAC7-09F9-78DB-E648-5900F8B2F418}"/>
               </a:ext>
             </a:extLst>
           </p:cNvPr>
@@ -1169,7 +1169,7 @@
           <p:cNvPr id="6" name="灯片编号占位符 5">
             <a:extLst>
               <a:ext uri="{FF2B5EF4-FFF2-40B4-BE49-F238E27FC236}">
-                <a16:creationId xmlns:a16="http://schemas.microsoft.com/office/drawing/2014/main" id="{8FF292FF-0533-2341-C8CA-A0B3FE2252F3}"/>
+                <a16:creationId xmlns:a16="http://schemas.microsoft.com/office/drawing/2014/main" id="{D6E6AF44-11DA-89CD-D9A1-22E4FFB3E034}"/>
               </a:ext>
             </a:extLst>
           </p:cNvPr>
@@ -1185,7 +1185,7 @@
           <a:bodyPr/>
           <a:lstStyle/>
           <a:p>
-            <a:fld id="{3DFE37B8-7CCA-451A-A897-5CCE05D89919}" type="slidenum">
+            <a:fld id="{9BD0F070-BBAC-4845-A6A4-272477C6D085}" type="slidenum">
               <a:rPr lang="zh-CN" altLang="en-US" smtClean="0"/>
               <a:t>‹#›</a:t>
             </a:fld>
@@ -1196,7 +1196,7 @@
     </p:spTree>
     <p:extLst>
       <p:ext uri="{BB962C8B-B14F-4D97-AF65-F5344CB8AC3E}">
-        <p14:creationId xmlns:p14="http://schemas.microsoft.com/office/powerpoint/2010/main" val="3163204158"/>
+        <p14:creationId xmlns:p14="http://schemas.microsoft.com/office/powerpoint/2010/main" val="1560475213"/>
       </p:ext>
     </p:extLst>
   </p:cSld>
@@ -1228,7 +1228,7 @@
           <p:cNvPr id="2" name="标题 1">
             <a:extLst>
               <a:ext uri="{FF2B5EF4-FFF2-40B4-BE49-F238E27FC236}">
-                <a16:creationId xmlns:a16="http://schemas.microsoft.com/office/drawing/2014/main" id="{A91126D0-DE1F-9CC3-DECE-C9B3D97E768E}"/>
+                <a16:creationId xmlns:a16="http://schemas.microsoft.com/office/drawing/2014/main" id="{EDAFB273-C11D-19F4-09F8-038FC4F85164}"/>
               </a:ext>
             </a:extLst>
           </p:cNvPr>
@@ -1256,7 +1256,7 @@
           <p:cNvPr id="3" name="内容占位符 2">
             <a:extLst>
               <a:ext uri="{FF2B5EF4-FFF2-40B4-BE49-F238E27FC236}">
-                <a16:creationId xmlns:a16="http://schemas.microsoft.com/office/drawing/2014/main" id="{392FDF29-E89A-C970-AEC7-2C24691DBCDF}"/>
+                <a16:creationId xmlns:a16="http://schemas.microsoft.com/office/drawing/2014/main" id="{BD08802D-D9F9-937B-0758-9547ABDEC8A9}"/>
               </a:ext>
             </a:extLst>
           </p:cNvPr>
@@ -1318,7 +1318,7 @@
           <p:cNvPr id="4" name="内容占位符 3">
             <a:extLst>
               <a:ext uri="{FF2B5EF4-FFF2-40B4-BE49-F238E27FC236}">
-                <a16:creationId xmlns:a16="http://schemas.microsoft.com/office/drawing/2014/main" id="{5AA762A7-2668-FC41-D92F-81E634604181}"/>
+                <a16:creationId xmlns:a16="http://schemas.microsoft.com/office/drawing/2014/main" id="{B4D5FB37-FAE0-2D60-34BF-CA6DD5EF76B5}"/>
               </a:ext>
             </a:extLst>
           </p:cNvPr>
@@ -1380,7 +1380,7 @@
           <p:cNvPr id="5" name="日期占位符 4">
             <a:extLst>
               <a:ext uri="{FF2B5EF4-FFF2-40B4-BE49-F238E27FC236}">
-                <a16:creationId xmlns:a16="http://schemas.microsoft.com/office/drawing/2014/main" id="{66C883C4-3580-192E-A186-4BEF7A7369FD}"/>
+                <a16:creationId xmlns:a16="http://schemas.microsoft.com/office/drawing/2014/main" id="{14227399-E6C2-16F5-2CA5-C9DA84F6090C}"/>
               </a:ext>
             </a:extLst>
           </p:cNvPr>
@@ -1396,7 +1396,7 @@
           <a:bodyPr/>
           <a:lstStyle/>
           <a:p>
-            <a:fld id="{819B5AF2-DBCB-4930-9C0C-A191F1F08F3E}" type="datetimeFigureOut">
+            <a:fld id="{9437A7D8-92C4-4A0F-9FCA-6F9A7E71CA8A}" type="datetimeFigureOut">
               <a:rPr lang="zh-CN" altLang="en-US" smtClean="0"/>
               <a:t>2024/3/10</a:t>
             </a:fld>
@@ -1409,7 +1409,7 @@
           <p:cNvPr id="6" name="页脚占位符 5">
             <a:extLst>
               <a:ext uri="{FF2B5EF4-FFF2-40B4-BE49-F238E27FC236}">
-                <a16:creationId xmlns:a16="http://schemas.microsoft.com/office/drawing/2014/main" id="{255E8AED-B3E9-0757-E1AE-30E44ADA9BF9}"/>
+                <a16:creationId xmlns:a16="http://schemas.microsoft.com/office/drawing/2014/main" id="{DF69FE70-7425-1843-36B6-FEB825D7BA8F}"/>
               </a:ext>
             </a:extLst>
           </p:cNvPr>
@@ -1434,7 +1434,7 @@
           <p:cNvPr id="7" name="灯片编号占位符 6">
             <a:extLst>
               <a:ext uri="{FF2B5EF4-FFF2-40B4-BE49-F238E27FC236}">
-                <a16:creationId xmlns:a16="http://schemas.microsoft.com/office/drawing/2014/main" id="{FF3871A2-3F28-DA5A-E185-95833DDA18BC}"/>
+                <a16:creationId xmlns:a16="http://schemas.microsoft.com/office/drawing/2014/main" id="{595CB480-4FE3-A29E-F485-D2BE9A116729}"/>
               </a:ext>
             </a:extLst>
           </p:cNvPr>
@@ -1450,7 +1450,7 @@
           <a:bodyPr/>
           <a:lstStyle/>
           <a:p>
-            <a:fld id="{3DFE37B8-7CCA-451A-A897-5CCE05D89919}" type="slidenum">
+            <a:fld id="{9BD0F070-BBAC-4845-A6A4-272477C6D085}" type="slidenum">
               <a:rPr lang="zh-CN" altLang="en-US" smtClean="0"/>
               <a:t>‹#›</a:t>
             </a:fld>
@@ -1461,7 +1461,7 @@
     </p:spTree>
     <p:extLst>
       <p:ext uri="{BB962C8B-B14F-4D97-AF65-F5344CB8AC3E}">
-        <p14:creationId xmlns:p14="http://schemas.microsoft.com/office/powerpoint/2010/main" val="1632161318"/>
+        <p14:creationId xmlns:p14="http://schemas.microsoft.com/office/powerpoint/2010/main" val="3606745650"/>
       </p:ext>
     </p:extLst>
   </p:cSld>
@@ -1493,7 +1493,7 @@
           <p:cNvPr id="2" name="标题 1">
             <a:extLst>
               <a:ext uri="{FF2B5EF4-FFF2-40B4-BE49-F238E27FC236}">
-                <a16:creationId xmlns:a16="http://schemas.microsoft.com/office/drawing/2014/main" id="{BAB9F70D-4CE4-F21D-C991-FABF4CE1AB59}"/>
+                <a16:creationId xmlns:a16="http://schemas.microsoft.com/office/drawing/2014/main" id="{A7ED66BC-616D-685D-1DA4-7A6387DF3DE4}"/>
               </a:ext>
             </a:extLst>
           </p:cNvPr>
@@ -1526,7 +1526,7 @@
           <p:cNvPr id="3" name="文本占位符 2">
             <a:extLst>
               <a:ext uri="{FF2B5EF4-FFF2-40B4-BE49-F238E27FC236}">
-                <a16:creationId xmlns:a16="http://schemas.microsoft.com/office/drawing/2014/main" id="{2472BD38-E42E-10B9-5BEE-13EDA92D3541}"/>
+                <a16:creationId xmlns:a16="http://schemas.microsoft.com/office/drawing/2014/main" id="{C60FF015-C4D0-B196-CFA4-208AC309453A}"/>
               </a:ext>
             </a:extLst>
           </p:cNvPr>
@@ -1597,7 +1597,7 @@
           <p:cNvPr id="4" name="内容占位符 3">
             <a:extLst>
               <a:ext uri="{FF2B5EF4-FFF2-40B4-BE49-F238E27FC236}">
-                <a16:creationId xmlns:a16="http://schemas.microsoft.com/office/drawing/2014/main" id="{363F92E5-04C2-0573-D00F-F22C8FA00689}"/>
+                <a16:creationId xmlns:a16="http://schemas.microsoft.com/office/drawing/2014/main" id="{23A3148D-314B-176E-4C0C-92BFD2D95344}"/>
               </a:ext>
             </a:extLst>
           </p:cNvPr>
@@ -1659,7 +1659,7 @@
           <p:cNvPr id="5" name="文本占位符 4">
             <a:extLst>
               <a:ext uri="{FF2B5EF4-FFF2-40B4-BE49-F238E27FC236}">
-                <a16:creationId xmlns:a16="http://schemas.microsoft.com/office/drawing/2014/main" id="{734598CE-B6BB-4DCF-B706-05CFE69F9DEC}"/>
+                <a16:creationId xmlns:a16="http://schemas.microsoft.com/office/drawing/2014/main" id="{85D1C550-A3A7-8CBF-5E03-59DABB48B230}"/>
               </a:ext>
             </a:extLst>
           </p:cNvPr>
@@ -1730,7 +1730,7 @@
           <p:cNvPr id="6" name="内容占位符 5">
             <a:extLst>
               <a:ext uri="{FF2B5EF4-FFF2-40B4-BE49-F238E27FC236}">
-                <a16:creationId xmlns:a16="http://schemas.microsoft.com/office/drawing/2014/main" id="{ECF8C41D-3842-B788-2645-4D8D47AB34F0}"/>
+                <a16:creationId xmlns:a16="http://schemas.microsoft.com/office/drawing/2014/main" id="{637007D9-27DC-E26D-7034-B7AD1A5DC7A4}"/>
               </a:ext>
             </a:extLst>
           </p:cNvPr>
@@ -1792,7 +1792,7 @@
           <p:cNvPr id="7" name="日期占位符 6">
             <a:extLst>
               <a:ext uri="{FF2B5EF4-FFF2-40B4-BE49-F238E27FC236}">
-                <a16:creationId xmlns:a16="http://schemas.microsoft.com/office/drawing/2014/main" id="{D8A6BD09-1B33-714E-EA9F-CD5ECAB97551}"/>
+                <a16:creationId xmlns:a16="http://schemas.microsoft.com/office/drawing/2014/main" id="{B29DBEA5-07C3-4C9A-46BC-D21B084782FA}"/>
               </a:ext>
             </a:extLst>
           </p:cNvPr>
@@ -1808,7 +1808,7 @@
           <a:bodyPr/>
           <a:lstStyle/>
           <a:p>
-            <a:fld id="{819B5AF2-DBCB-4930-9C0C-A191F1F08F3E}" type="datetimeFigureOut">
+            <a:fld id="{9437A7D8-92C4-4A0F-9FCA-6F9A7E71CA8A}" type="datetimeFigureOut">
               <a:rPr lang="zh-CN" altLang="en-US" smtClean="0"/>
               <a:t>2024/3/10</a:t>
             </a:fld>
@@ -1821,7 +1821,7 @@
           <p:cNvPr id="8" name="页脚占位符 7">
             <a:extLst>
               <a:ext uri="{FF2B5EF4-FFF2-40B4-BE49-F238E27FC236}">
-                <a16:creationId xmlns:a16="http://schemas.microsoft.com/office/drawing/2014/main" id="{1179E7B1-04D8-1612-3304-70B754A76BA7}"/>
+                <a16:creationId xmlns:a16="http://schemas.microsoft.com/office/drawing/2014/main" id="{0C7586DC-0F9E-0BFF-E03F-4114105D950C}"/>
               </a:ext>
             </a:extLst>
           </p:cNvPr>
@@ -1846,7 +1846,7 @@
           <p:cNvPr id="9" name="灯片编号占位符 8">
             <a:extLst>
               <a:ext uri="{FF2B5EF4-FFF2-40B4-BE49-F238E27FC236}">
-                <a16:creationId xmlns:a16="http://schemas.microsoft.com/office/drawing/2014/main" id="{6807D07F-FB43-AF58-D064-A53FC490CDF1}"/>
+                <a16:creationId xmlns:a16="http://schemas.microsoft.com/office/drawing/2014/main" id="{3DEEF1FE-2CDB-5679-8FD0-2B15BA7F679D}"/>
               </a:ext>
             </a:extLst>
           </p:cNvPr>
@@ -1862,7 +1862,7 @@
           <a:bodyPr/>
           <a:lstStyle/>
           <a:p>
-            <a:fld id="{3DFE37B8-7CCA-451A-A897-5CCE05D89919}" type="slidenum">
+            <a:fld id="{9BD0F070-BBAC-4845-A6A4-272477C6D085}" type="slidenum">
               <a:rPr lang="zh-CN" altLang="en-US" smtClean="0"/>
               <a:t>‹#›</a:t>
             </a:fld>
@@ -1873,7 +1873,7 @@
     </p:spTree>
     <p:extLst>
       <p:ext uri="{BB962C8B-B14F-4D97-AF65-F5344CB8AC3E}">
-        <p14:creationId xmlns:p14="http://schemas.microsoft.com/office/powerpoint/2010/main" val="2534527558"/>
+        <p14:creationId xmlns:p14="http://schemas.microsoft.com/office/powerpoint/2010/main" val="233376442"/>
       </p:ext>
     </p:extLst>
   </p:cSld>
@@ -1905,7 +1905,7 @@
           <p:cNvPr id="2" name="标题 1">
             <a:extLst>
               <a:ext uri="{FF2B5EF4-FFF2-40B4-BE49-F238E27FC236}">
-                <a16:creationId xmlns:a16="http://schemas.microsoft.com/office/drawing/2014/main" id="{62DE5C26-610A-1690-EBC1-854E04DD0BFB}"/>
+                <a16:creationId xmlns:a16="http://schemas.microsoft.com/office/drawing/2014/main" id="{9C6628A5-B0A6-04E3-2BF4-8DB8679DB8E7}"/>
               </a:ext>
             </a:extLst>
           </p:cNvPr>
@@ -1933,7 +1933,7 @@
           <p:cNvPr id="3" name="日期占位符 2">
             <a:extLst>
               <a:ext uri="{FF2B5EF4-FFF2-40B4-BE49-F238E27FC236}">
-                <a16:creationId xmlns:a16="http://schemas.microsoft.com/office/drawing/2014/main" id="{A25D8762-70C5-FFE9-B1B1-2B6618BCCDBB}"/>
+                <a16:creationId xmlns:a16="http://schemas.microsoft.com/office/drawing/2014/main" id="{87D5DC2D-9CDC-C305-EFE5-8654F7F3002B}"/>
               </a:ext>
             </a:extLst>
           </p:cNvPr>
@@ -1949,7 +1949,7 @@
           <a:bodyPr/>
           <a:lstStyle/>
           <a:p>
-            <a:fld id="{819B5AF2-DBCB-4930-9C0C-A191F1F08F3E}" type="datetimeFigureOut">
+            <a:fld id="{9437A7D8-92C4-4A0F-9FCA-6F9A7E71CA8A}" type="datetimeFigureOut">
               <a:rPr lang="zh-CN" altLang="en-US" smtClean="0"/>
               <a:t>2024/3/10</a:t>
             </a:fld>
@@ -1962,7 +1962,7 @@
           <p:cNvPr id="4" name="页脚占位符 3">
             <a:extLst>
               <a:ext uri="{FF2B5EF4-FFF2-40B4-BE49-F238E27FC236}">
-                <a16:creationId xmlns:a16="http://schemas.microsoft.com/office/drawing/2014/main" id="{4E3534A1-0CE6-82FF-3915-FBE1EE070D0A}"/>
+                <a16:creationId xmlns:a16="http://schemas.microsoft.com/office/drawing/2014/main" id="{CB15E90C-E683-0F25-236A-13C63A107197}"/>
               </a:ext>
             </a:extLst>
           </p:cNvPr>
@@ -1987,7 +1987,7 @@
           <p:cNvPr id="5" name="灯片编号占位符 4">
             <a:extLst>
               <a:ext uri="{FF2B5EF4-FFF2-40B4-BE49-F238E27FC236}">
-                <a16:creationId xmlns:a16="http://schemas.microsoft.com/office/drawing/2014/main" id="{6A14D870-3BB4-07FC-A837-9F7F32868CFD}"/>
+                <a16:creationId xmlns:a16="http://schemas.microsoft.com/office/drawing/2014/main" id="{3E37E5DB-AFC2-7351-3EA6-E44406A7BCA7}"/>
               </a:ext>
             </a:extLst>
           </p:cNvPr>
@@ -2003,7 +2003,7 @@
           <a:bodyPr/>
           <a:lstStyle/>
           <a:p>
-            <a:fld id="{3DFE37B8-7CCA-451A-A897-5CCE05D89919}" type="slidenum">
+            <a:fld id="{9BD0F070-BBAC-4845-A6A4-272477C6D085}" type="slidenum">
               <a:rPr lang="zh-CN" altLang="en-US" smtClean="0"/>
               <a:t>‹#›</a:t>
             </a:fld>
@@ -2014,7 +2014,7 @@
     </p:spTree>
     <p:extLst>
       <p:ext uri="{BB962C8B-B14F-4D97-AF65-F5344CB8AC3E}">
-        <p14:creationId xmlns:p14="http://schemas.microsoft.com/office/powerpoint/2010/main" val="2569342351"/>
+        <p14:creationId xmlns:p14="http://schemas.microsoft.com/office/powerpoint/2010/main" val="3035104061"/>
       </p:ext>
     </p:extLst>
   </p:cSld>
@@ -2046,7 +2046,7 @@
           <p:cNvPr id="2" name="日期占位符 1">
             <a:extLst>
               <a:ext uri="{FF2B5EF4-FFF2-40B4-BE49-F238E27FC236}">
-                <a16:creationId xmlns:a16="http://schemas.microsoft.com/office/drawing/2014/main" id="{B785DB05-A80F-0873-C696-F329A93627BC}"/>
+                <a16:creationId xmlns:a16="http://schemas.microsoft.com/office/drawing/2014/main" id="{1D7A5076-84BB-1D13-9453-614BE196BDF1}"/>
               </a:ext>
             </a:extLst>
           </p:cNvPr>
@@ -2062,7 +2062,7 @@
           <a:bodyPr/>
           <a:lstStyle/>
           <a:p>
-            <a:fld id="{819B5AF2-DBCB-4930-9C0C-A191F1F08F3E}" type="datetimeFigureOut">
+            <a:fld id="{9437A7D8-92C4-4A0F-9FCA-6F9A7E71CA8A}" type="datetimeFigureOut">
               <a:rPr lang="zh-CN" altLang="en-US" smtClean="0"/>
               <a:t>2024/3/10</a:t>
             </a:fld>
@@ -2075,7 +2075,7 @@
           <p:cNvPr id="3" name="页脚占位符 2">
             <a:extLst>
               <a:ext uri="{FF2B5EF4-FFF2-40B4-BE49-F238E27FC236}">
-                <a16:creationId xmlns:a16="http://schemas.microsoft.com/office/drawing/2014/main" id="{ED896DD2-E5F0-80C2-6C0C-5571FFAA1CCC}"/>
+                <a16:creationId xmlns:a16="http://schemas.microsoft.com/office/drawing/2014/main" id="{5976941D-4C6E-959D-7BF9-3C8F35275B18}"/>
               </a:ext>
             </a:extLst>
           </p:cNvPr>
@@ -2100,7 +2100,7 @@
           <p:cNvPr id="4" name="灯片编号占位符 3">
             <a:extLst>
               <a:ext uri="{FF2B5EF4-FFF2-40B4-BE49-F238E27FC236}">
-                <a16:creationId xmlns:a16="http://schemas.microsoft.com/office/drawing/2014/main" id="{39623C0B-4E49-A69F-1EE8-72B5008C7C8E}"/>
+                <a16:creationId xmlns:a16="http://schemas.microsoft.com/office/drawing/2014/main" id="{29D3D1EB-ACDF-BA78-6C7A-A71664B2078B}"/>
               </a:ext>
             </a:extLst>
           </p:cNvPr>
@@ -2116,7 +2116,7 @@
           <a:bodyPr/>
           <a:lstStyle/>
           <a:p>
-            <a:fld id="{3DFE37B8-7CCA-451A-A897-5CCE05D89919}" type="slidenum">
+            <a:fld id="{9BD0F070-BBAC-4845-A6A4-272477C6D085}" type="slidenum">
               <a:rPr lang="zh-CN" altLang="en-US" smtClean="0"/>
               <a:t>‹#›</a:t>
             </a:fld>
@@ -2127,7 +2127,7 @@
     </p:spTree>
     <p:extLst>
       <p:ext uri="{BB962C8B-B14F-4D97-AF65-F5344CB8AC3E}">
-        <p14:creationId xmlns:p14="http://schemas.microsoft.com/office/powerpoint/2010/main" val="3197617226"/>
+        <p14:creationId xmlns:p14="http://schemas.microsoft.com/office/powerpoint/2010/main" val="1988768417"/>
       </p:ext>
     </p:extLst>
   </p:cSld>
@@ -2159,7 +2159,7 @@
           <p:cNvPr id="2" name="标题 1">
             <a:extLst>
               <a:ext uri="{FF2B5EF4-FFF2-40B4-BE49-F238E27FC236}">
-                <a16:creationId xmlns:a16="http://schemas.microsoft.com/office/drawing/2014/main" id="{1A822751-D318-314F-D6B7-755EBDC617F2}"/>
+                <a16:creationId xmlns:a16="http://schemas.microsoft.com/office/drawing/2014/main" id="{E480FDDC-FB8E-6CBC-D0D9-250DE38EEDE1}"/>
               </a:ext>
             </a:extLst>
           </p:cNvPr>
@@ -2196,7 +2196,7 @@
           <p:cNvPr id="3" name="内容占位符 2">
             <a:extLst>
               <a:ext uri="{FF2B5EF4-FFF2-40B4-BE49-F238E27FC236}">
-                <a16:creationId xmlns:a16="http://schemas.microsoft.com/office/drawing/2014/main" id="{D7BA7FD9-DA41-8501-CFBF-F47AFB39B57E}"/>
+                <a16:creationId xmlns:a16="http://schemas.microsoft.com/office/drawing/2014/main" id="{F97A5CD0-C211-19DA-B6FD-8D62106143D2}"/>
               </a:ext>
             </a:extLst>
           </p:cNvPr>
@@ -2286,7 +2286,7 @@
           <p:cNvPr id="4" name="文本占位符 3">
             <a:extLst>
               <a:ext uri="{FF2B5EF4-FFF2-40B4-BE49-F238E27FC236}">
-                <a16:creationId xmlns:a16="http://schemas.microsoft.com/office/drawing/2014/main" id="{C57FD549-167A-1D82-34CA-15F3F4D5F803}"/>
+                <a16:creationId xmlns:a16="http://schemas.microsoft.com/office/drawing/2014/main" id="{6BE99252-A5C2-D90D-E1A4-21FDEF45D4F4}"/>
               </a:ext>
             </a:extLst>
           </p:cNvPr>
@@ -2357,7 +2357,7 @@
           <p:cNvPr id="5" name="日期占位符 4">
             <a:extLst>
               <a:ext uri="{FF2B5EF4-FFF2-40B4-BE49-F238E27FC236}">
-                <a16:creationId xmlns:a16="http://schemas.microsoft.com/office/drawing/2014/main" id="{A35543A7-1276-05B9-1AE9-90822216F4A4}"/>
+                <a16:creationId xmlns:a16="http://schemas.microsoft.com/office/drawing/2014/main" id="{92897517-D2DF-DE06-91A6-EF4A1167AE9E}"/>
               </a:ext>
             </a:extLst>
           </p:cNvPr>
@@ -2373,7 +2373,7 @@
           <a:bodyPr/>
           <a:lstStyle/>
           <a:p>
-            <a:fld id="{819B5AF2-DBCB-4930-9C0C-A191F1F08F3E}" type="datetimeFigureOut">
+            <a:fld id="{9437A7D8-92C4-4A0F-9FCA-6F9A7E71CA8A}" type="datetimeFigureOut">
               <a:rPr lang="zh-CN" altLang="en-US" smtClean="0"/>
               <a:t>2024/3/10</a:t>
             </a:fld>
@@ -2386,7 +2386,7 @@
           <p:cNvPr id="6" name="页脚占位符 5">
             <a:extLst>
               <a:ext uri="{FF2B5EF4-FFF2-40B4-BE49-F238E27FC236}">
-                <a16:creationId xmlns:a16="http://schemas.microsoft.com/office/drawing/2014/main" id="{D073DA83-D095-FDC9-1735-93B54547E97B}"/>
+                <a16:creationId xmlns:a16="http://schemas.microsoft.com/office/drawing/2014/main" id="{6D7F49E9-913C-2CA6-8289-B8C6CF61BFAD}"/>
               </a:ext>
             </a:extLst>
           </p:cNvPr>
@@ -2411,7 +2411,7 @@
           <p:cNvPr id="7" name="灯片编号占位符 6">
             <a:extLst>
               <a:ext uri="{FF2B5EF4-FFF2-40B4-BE49-F238E27FC236}">
-                <a16:creationId xmlns:a16="http://schemas.microsoft.com/office/drawing/2014/main" id="{11130232-B3ED-767C-CF44-2F4A2E58F7DC}"/>
+                <a16:creationId xmlns:a16="http://schemas.microsoft.com/office/drawing/2014/main" id="{BFF6D77C-0BB0-4C00-2392-6FDECEBBC80A}"/>
               </a:ext>
             </a:extLst>
           </p:cNvPr>
@@ -2427,7 +2427,7 @@
           <a:bodyPr/>
           <a:lstStyle/>
           <a:p>
-            <a:fld id="{3DFE37B8-7CCA-451A-A897-5CCE05D89919}" type="slidenum">
+            <a:fld id="{9BD0F070-BBAC-4845-A6A4-272477C6D085}" type="slidenum">
               <a:rPr lang="zh-CN" altLang="en-US" smtClean="0"/>
               <a:t>‹#›</a:t>
             </a:fld>
@@ -2438,7 +2438,7 @@
     </p:spTree>
     <p:extLst>
       <p:ext uri="{BB962C8B-B14F-4D97-AF65-F5344CB8AC3E}">
-        <p14:creationId xmlns:p14="http://schemas.microsoft.com/office/powerpoint/2010/main" val="1621975499"/>
+        <p14:creationId xmlns:p14="http://schemas.microsoft.com/office/powerpoint/2010/main" val="273567192"/>
       </p:ext>
     </p:extLst>
   </p:cSld>
@@ -2470,7 +2470,7 @@
           <p:cNvPr id="2" name="标题 1">
             <a:extLst>
               <a:ext uri="{FF2B5EF4-FFF2-40B4-BE49-F238E27FC236}">
-                <a16:creationId xmlns:a16="http://schemas.microsoft.com/office/drawing/2014/main" id="{06797870-0C32-D218-FEBC-59A859D4C373}"/>
+                <a16:creationId xmlns:a16="http://schemas.microsoft.com/office/drawing/2014/main" id="{E5BBB226-E2A7-76AD-95BD-FBF7C42BFA95}"/>
               </a:ext>
             </a:extLst>
           </p:cNvPr>
@@ -2507,7 +2507,7 @@
           <p:cNvPr id="3" name="图片占位符 2">
             <a:extLst>
               <a:ext uri="{FF2B5EF4-FFF2-40B4-BE49-F238E27FC236}">
-                <a16:creationId xmlns:a16="http://schemas.microsoft.com/office/drawing/2014/main" id="{E5FC125C-9C8B-3076-8F7E-2EF5AD391405}"/>
+                <a16:creationId xmlns:a16="http://schemas.microsoft.com/office/drawing/2014/main" id="{9B0A3302-2CB7-CC32-5655-E1D5A1CE924A}"/>
               </a:ext>
             </a:extLst>
           </p:cNvPr>
@@ -2574,7 +2574,7 @@
           <p:cNvPr id="4" name="文本占位符 3">
             <a:extLst>
               <a:ext uri="{FF2B5EF4-FFF2-40B4-BE49-F238E27FC236}">
-                <a16:creationId xmlns:a16="http://schemas.microsoft.com/office/drawing/2014/main" id="{CAB1CA13-2D91-9B1C-DBEC-B82639A2C1C8}"/>
+                <a16:creationId xmlns:a16="http://schemas.microsoft.com/office/drawing/2014/main" id="{E119E743-8B97-7DD9-6C1B-1186B11A75E6}"/>
               </a:ext>
             </a:extLst>
           </p:cNvPr>
@@ -2645,7 +2645,7 @@
           <p:cNvPr id="5" name="日期占位符 4">
             <a:extLst>
               <a:ext uri="{FF2B5EF4-FFF2-40B4-BE49-F238E27FC236}">
-                <a16:creationId xmlns:a16="http://schemas.microsoft.com/office/drawing/2014/main" id="{2EF34A7E-CFB9-91FD-B62C-FCFFE8377D0A}"/>
+                <a16:creationId xmlns:a16="http://schemas.microsoft.com/office/drawing/2014/main" id="{191B951C-4B2C-60A7-F6CB-285DD2ADFA17}"/>
               </a:ext>
             </a:extLst>
           </p:cNvPr>
@@ -2661,7 +2661,7 @@
           <a:bodyPr/>
           <a:lstStyle/>
           <a:p>
-            <a:fld id="{819B5AF2-DBCB-4930-9C0C-A191F1F08F3E}" type="datetimeFigureOut">
+            <a:fld id="{9437A7D8-92C4-4A0F-9FCA-6F9A7E71CA8A}" type="datetimeFigureOut">
               <a:rPr lang="zh-CN" altLang="en-US" smtClean="0"/>
               <a:t>2024/3/10</a:t>
             </a:fld>
@@ -2674,7 +2674,7 @@
           <p:cNvPr id="6" name="页脚占位符 5">
             <a:extLst>
               <a:ext uri="{FF2B5EF4-FFF2-40B4-BE49-F238E27FC236}">
-                <a16:creationId xmlns:a16="http://schemas.microsoft.com/office/drawing/2014/main" id="{9A156D6C-8439-3D44-5E87-26500F37D1D4}"/>
+                <a16:creationId xmlns:a16="http://schemas.microsoft.com/office/drawing/2014/main" id="{2BE2F1BD-B333-F152-DF28-EDFA8EDAFF94}"/>
               </a:ext>
             </a:extLst>
           </p:cNvPr>
@@ -2699,7 +2699,7 @@
           <p:cNvPr id="7" name="灯片编号占位符 6">
             <a:extLst>
               <a:ext uri="{FF2B5EF4-FFF2-40B4-BE49-F238E27FC236}">
-                <a16:creationId xmlns:a16="http://schemas.microsoft.com/office/drawing/2014/main" id="{4D7EDB92-B18B-9C3F-A593-9F2BA804D08A}"/>
+                <a16:creationId xmlns:a16="http://schemas.microsoft.com/office/drawing/2014/main" id="{AF11F0D4-4069-281E-1AD1-ACEDF37FB789}"/>
               </a:ext>
             </a:extLst>
           </p:cNvPr>
@@ -2715,7 +2715,7 @@
           <a:bodyPr/>
           <a:lstStyle/>
           <a:p>
-            <a:fld id="{3DFE37B8-7CCA-451A-A897-5CCE05D89919}" type="slidenum">
+            <a:fld id="{9BD0F070-BBAC-4845-A6A4-272477C6D085}" type="slidenum">
               <a:rPr lang="zh-CN" altLang="en-US" smtClean="0"/>
               <a:t>‹#›</a:t>
             </a:fld>
@@ -2726,7 +2726,7 @@
     </p:spTree>
     <p:extLst>
       <p:ext uri="{BB962C8B-B14F-4D97-AF65-F5344CB8AC3E}">
-        <p14:creationId xmlns:p14="http://schemas.microsoft.com/office/powerpoint/2010/main" val="3845214669"/>
+        <p14:creationId xmlns:p14="http://schemas.microsoft.com/office/powerpoint/2010/main" val="543889684"/>
       </p:ext>
     </p:extLst>
   </p:cSld>
@@ -2763,7 +2763,7 @@
           <p:cNvPr id="2" name="标题占位符 1">
             <a:extLst>
               <a:ext uri="{FF2B5EF4-FFF2-40B4-BE49-F238E27FC236}">
-                <a16:creationId xmlns:a16="http://schemas.microsoft.com/office/drawing/2014/main" id="{E1CB74F7-2972-2591-6F1C-1E50CA08016C}"/>
+                <a16:creationId xmlns:a16="http://schemas.microsoft.com/office/drawing/2014/main" id="{3516DCD2-EE43-11FE-5E4D-FA9867B06BF4}"/>
               </a:ext>
             </a:extLst>
           </p:cNvPr>
@@ -2801,7 +2801,7 @@
           <p:cNvPr id="3" name="文本占位符 2">
             <a:extLst>
               <a:ext uri="{FF2B5EF4-FFF2-40B4-BE49-F238E27FC236}">
-                <a16:creationId xmlns:a16="http://schemas.microsoft.com/office/drawing/2014/main" id="{57BB0759-1BC7-961B-F30F-25E1FB6B5674}"/>
+                <a16:creationId xmlns:a16="http://schemas.microsoft.com/office/drawing/2014/main" id="{44E76F3E-3AC5-3D48-2890-820FBE628A1A}"/>
               </a:ext>
             </a:extLst>
           </p:cNvPr>
@@ -2868,7 +2868,7 @@
           <p:cNvPr id="4" name="日期占位符 3">
             <a:extLst>
               <a:ext uri="{FF2B5EF4-FFF2-40B4-BE49-F238E27FC236}">
-                <a16:creationId xmlns:a16="http://schemas.microsoft.com/office/drawing/2014/main" id="{690E939A-1E0B-883C-3A03-3DD59A4A86C6}"/>
+                <a16:creationId xmlns:a16="http://schemas.microsoft.com/office/drawing/2014/main" id="{514B1970-B9BA-3C60-4160-29B894FC5127}"/>
               </a:ext>
             </a:extLst>
           </p:cNvPr>
@@ -2902,7 +2902,7 @@
             </a:lvl1pPr>
           </a:lstStyle>
           <a:p>
-            <a:fld id="{819B5AF2-DBCB-4930-9C0C-A191F1F08F3E}" type="datetimeFigureOut">
+            <a:fld id="{9437A7D8-92C4-4A0F-9FCA-6F9A7E71CA8A}" type="datetimeFigureOut">
               <a:rPr lang="zh-CN" altLang="en-US" smtClean="0"/>
               <a:t>2024/3/10</a:t>
             </a:fld>
@@ -2915,7 +2915,7 @@
           <p:cNvPr id="5" name="页脚占位符 4">
             <a:extLst>
               <a:ext uri="{FF2B5EF4-FFF2-40B4-BE49-F238E27FC236}">
-                <a16:creationId xmlns:a16="http://schemas.microsoft.com/office/drawing/2014/main" id="{993D1683-BF33-96DC-2B93-129C4E444A61}"/>
+                <a16:creationId xmlns:a16="http://schemas.microsoft.com/office/drawing/2014/main" id="{B7F7998D-BA8A-0B1F-3E89-393594CBC5B7}"/>
               </a:ext>
             </a:extLst>
           </p:cNvPr>
@@ -2958,7 +2958,7 @@
           <p:cNvPr id="6" name="灯片编号占位符 5">
             <a:extLst>
               <a:ext uri="{FF2B5EF4-FFF2-40B4-BE49-F238E27FC236}">
-                <a16:creationId xmlns:a16="http://schemas.microsoft.com/office/drawing/2014/main" id="{93D78B5A-A0C3-9284-E167-54F59F206A9A}"/>
+                <a16:creationId xmlns:a16="http://schemas.microsoft.com/office/drawing/2014/main" id="{05A1A2FA-1F5F-3188-DD7E-71B40AEA09D6}"/>
               </a:ext>
             </a:extLst>
           </p:cNvPr>
@@ -2992,7 +2992,7 @@
             </a:lvl1pPr>
           </a:lstStyle>
           <a:p>
-            <a:fld id="{3DFE37B8-7CCA-451A-A897-5CCE05D89919}" type="slidenum">
+            <a:fld id="{9BD0F070-BBAC-4845-A6A4-272477C6D085}" type="slidenum">
               <a:rPr lang="zh-CN" altLang="en-US" smtClean="0"/>
               <a:t>‹#›</a:t>
             </a:fld>
@@ -3003,7 +3003,7 @@
     </p:spTree>
     <p:extLst>
       <p:ext uri="{BB962C8B-B14F-4D97-AF65-F5344CB8AC3E}">
-        <p14:creationId xmlns:p14="http://schemas.microsoft.com/office/powerpoint/2010/main" val="2902356194"/>
+        <p14:creationId xmlns:p14="http://schemas.microsoft.com/office/powerpoint/2010/main" val="2834891471"/>
       </p:ext>
     </p:extLst>
   </p:cSld>
